--- a/Documents/Presentation/Prop-Presentation.pptx
+++ b/Documents/Presentation/Prop-Presentation.pptx
@@ -245,6 +245,14 @@
       </a:defRPr>
     </a:lvl9pPr>
   </p:defaultTextStyle>
+  <p:extLst>
+    <p:ext uri="{EFAFB233-063F-42B5-8137-9DF3F51BA10A}">
+      <p15:sldGuideLst xmlns:p15="http://schemas.microsoft.com/office/powerpoint/2012/main"/>
+    </p:ext>
+    <p:ext uri="{2D200454-40CA-4A62-9FC3-DE9A4176ACB9}">
+      <p15:notesGuideLst xmlns:p15="http://schemas.microsoft.com/office/powerpoint/2012/main"/>
+    </p:ext>
+  </p:extLst>
 </p:presentation>
 </file>
 
@@ -330,7 +338,7 @@
           <a:p>
             <a:fld id="{FEBEB24F-E633-40E1-BB93-9B580BD43BF6}" type="datetimeFigureOut">
               <a:rPr lang="en-US" smtClean="0"/>
-              <a:t>1/18/2016</a:t>
+              <a:t>1/25/2016</a:t>
             </a:fld>
             <a:endParaRPr lang="en-US"/>
           </a:p>
@@ -3537,6 +3545,417 @@
           </a:p>
         </p:txBody>
       </p:sp>
+      <p:sp>
+        <p:nvSpPr>
+          <p:cNvPr id="4" name="Shape 223"/>
+          <p:cNvSpPr txBox="1">
+            <a:spLocks/>
+          </p:cNvSpPr>
+          <p:nvPr/>
+        </p:nvSpPr>
+        <p:spPr>
+          <a:xfrm>
+            <a:off x="1066626" y="2356650"/>
+            <a:ext cx="5383160" cy="2770521"/>
+          </a:xfrm>
+          <a:prstGeom prst="rect">
+            <a:avLst/>
+          </a:prstGeom>
+          <a:noFill/>
+          <a:ln>
+            <a:noFill/>
+          </a:ln>
+        </p:spPr>
+        <p:txBody>
+          <a:bodyPr lIns="91425" tIns="91425" rIns="91425" bIns="91425" anchor="t" anchorCtr="0">
+            <a:noAutofit/>
+          </a:bodyPr>
+          <a:lstStyle>
+            <a:defPPr marR="0" lvl="0" algn="l" rtl="0">
+              <a:lnSpc>
+                <a:spcPct val="100000"/>
+              </a:lnSpc>
+              <a:spcBef>
+                <a:spcPts val="0"/>
+              </a:spcBef>
+              <a:spcAft>
+                <a:spcPts val="0"/>
+              </a:spcAft>
+            </a:defPPr>
+            <a:lvl1pPr marR="0" lvl="0" algn="l" rtl="0">
+              <a:lnSpc>
+                <a:spcPct val="100000"/>
+              </a:lnSpc>
+              <a:spcBef>
+                <a:spcPts val="0"/>
+              </a:spcBef>
+              <a:spcAft>
+                <a:spcPts val="0"/>
+              </a:spcAft>
+              <a:buClr>
+                <a:srgbClr val="677480"/>
+              </a:buClr>
+              <a:buSzPct val="100000"/>
+              <a:buFont typeface="Lato"/>
+              <a:buChar char="▷"/>
+              <a:defRPr sz="1400" b="0" i="0" u="none" strike="noStrike" cap="none">
+                <a:solidFill>
+                  <a:srgbClr val="677480"/>
+                </a:solidFill>
+                <a:latin typeface="Lato"/>
+                <a:ea typeface="Lato"/>
+                <a:cs typeface="Lato"/>
+                <a:sym typeface="Lato"/>
+                <a:rtl val="0"/>
+              </a:defRPr>
+            </a:lvl1pPr>
+            <a:lvl2pPr marR="0" lvl="1" algn="l" rtl="0">
+              <a:lnSpc>
+                <a:spcPct val="100000"/>
+              </a:lnSpc>
+              <a:spcBef>
+                <a:spcPts val="0"/>
+              </a:spcBef>
+              <a:spcAft>
+                <a:spcPts val="0"/>
+              </a:spcAft>
+              <a:buClr>
+                <a:srgbClr val="677480"/>
+              </a:buClr>
+              <a:buSzPct val="100000"/>
+              <a:buFont typeface="Lato"/>
+              <a:buNone/>
+              <a:defRPr sz="1400" b="0" i="0" u="none" strike="noStrike" cap="none">
+                <a:solidFill>
+                  <a:srgbClr val="677480"/>
+                </a:solidFill>
+                <a:latin typeface="Lato"/>
+                <a:ea typeface="Lato"/>
+                <a:cs typeface="Lato"/>
+                <a:sym typeface="Lato"/>
+                <a:rtl val="0"/>
+              </a:defRPr>
+            </a:lvl2pPr>
+            <a:lvl3pPr marR="0" lvl="2" algn="l" rtl="0">
+              <a:lnSpc>
+                <a:spcPct val="100000"/>
+              </a:lnSpc>
+              <a:spcBef>
+                <a:spcPts val="0"/>
+              </a:spcBef>
+              <a:spcAft>
+                <a:spcPts val="0"/>
+              </a:spcAft>
+              <a:buClr>
+                <a:srgbClr val="677480"/>
+              </a:buClr>
+              <a:buSzPct val="100000"/>
+              <a:buFont typeface="Lato"/>
+              <a:buNone/>
+              <a:defRPr sz="1400" b="0" i="0" u="none" strike="noStrike" cap="none">
+                <a:solidFill>
+                  <a:srgbClr val="677480"/>
+                </a:solidFill>
+                <a:latin typeface="Lato"/>
+                <a:ea typeface="Lato"/>
+                <a:cs typeface="Lato"/>
+                <a:sym typeface="Lato"/>
+                <a:rtl val="0"/>
+              </a:defRPr>
+            </a:lvl3pPr>
+            <a:lvl4pPr marR="0" lvl="3" algn="l" rtl="0">
+              <a:lnSpc>
+                <a:spcPct val="100000"/>
+              </a:lnSpc>
+              <a:spcBef>
+                <a:spcPts val="0"/>
+              </a:spcBef>
+              <a:spcAft>
+                <a:spcPts val="0"/>
+              </a:spcAft>
+              <a:buClr>
+                <a:srgbClr val="677480"/>
+              </a:buClr>
+              <a:buSzPct val="100000"/>
+              <a:buFont typeface="Lato"/>
+              <a:buNone/>
+              <a:defRPr sz="1400" b="0" i="0" u="none" strike="noStrike" cap="none">
+                <a:solidFill>
+                  <a:srgbClr val="677480"/>
+                </a:solidFill>
+                <a:latin typeface="Lato"/>
+                <a:ea typeface="Lato"/>
+                <a:cs typeface="Lato"/>
+                <a:sym typeface="Lato"/>
+                <a:rtl val="0"/>
+              </a:defRPr>
+            </a:lvl4pPr>
+            <a:lvl5pPr marR="0" lvl="4" algn="l" rtl="0">
+              <a:lnSpc>
+                <a:spcPct val="100000"/>
+              </a:lnSpc>
+              <a:spcBef>
+                <a:spcPts val="0"/>
+              </a:spcBef>
+              <a:spcAft>
+                <a:spcPts val="0"/>
+              </a:spcAft>
+              <a:buClr>
+                <a:srgbClr val="677480"/>
+              </a:buClr>
+              <a:buSzPct val="100000"/>
+              <a:buFont typeface="Lato"/>
+              <a:buNone/>
+              <a:defRPr sz="1400" b="0" i="0" u="none" strike="noStrike" cap="none">
+                <a:solidFill>
+                  <a:srgbClr val="677480"/>
+                </a:solidFill>
+                <a:latin typeface="Lato"/>
+                <a:ea typeface="Lato"/>
+                <a:cs typeface="Lato"/>
+                <a:sym typeface="Lato"/>
+                <a:rtl val="0"/>
+              </a:defRPr>
+            </a:lvl5pPr>
+            <a:lvl6pPr marR="0" lvl="5" algn="l" rtl="0">
+              <a:lnSpc>
+                <a:spcPct val="100000"/>
+              </a:lnSpc>
+              <a:spcBef>
+                <a:spcPts val="0"/>
+              </a:spcBef>
+              <a:spcAft>
+                <a:spcPts val="0"/>
+              </a:spcAft>
+              <a:buClr>
+                <a:srgbClr val="677480"/>
+              </a:buClr>
+              <a:buSzPct val="100000"/>
+              <a:buFont typeface="Lato"/>
+              <a:buNone/>
+              <a:defRPr sz="1400" b="0" i="0" u="none" strike="noStrike" cap="none">
+                <a:solidFill>
+                  <a:srgbClr val="677480"/>
+                </a:solidFill>
+                <a:latin typeface="Lato"/>
+                <a:ea typeface="Lato"/>
+                <a:cs typeface="Lato"/>
+                <a:sym typeface="Lato"/>
+                <a:rtl val="0"/>
+              </a:defRPr>
+            </a:lvl6pPr>
+            <a:lvl7pPr marR="0" lvl="6" algn="l" rtl="0">
+              <a:lnSpc>
+                <a:spcPct val="100000"/>
+              </a:lnSpc>
+              <a:spcBef>
+                <a:spcPts val="0"/>
+              </a:spcBef>
+              <a:spcAft>
+                <a:spcPts val="0"/>
+              </a:spcAft>
+              <a:buClr>
+                <a:srgbClr val="677480"/>
+              </a:buClr>
+              <a:buSzPct val="100000"/>
+              <a:buFont typeface="Lato"/>
+              <a:buNone/>
+              <a:defRPr sz="1400" b="0" i="0" u="none" strike="noStrike" cap="none">
+                <a:solidFill>
+                  <a:srgbClr val="677480"/>
+                </a:solidFill>
+                <a:latin typeface="Lato"/>
+                <a:ea typeface="Lato"/>
+                <a:cs typeface="Lato"/>
+                <a:sym typeface="Lato"/>
+                <a:rtl val="0"/>
+              </a:defRPr>
+            </a:lvl7pPr>
+            <a:lvl8pPr marR="0" lvl="7" algn="l" rtl="0">
+              <a:lnSpc>
+                <a:spcPct val="100000"/>
+              </a:lnSpc>
+              <a:spcBef>
+                <a:spcPts val="0"/>
+              </a:spcBef>
+              <a:spcAft>
+                <a:spcPts val="0"/>
+              </a:spcAft>
+              <a:buClr>
+                <a:srgbClr val="677480"/>
+              </a:buClr>
+              <a:buSzPct val="100000"/>
+              <a:buFont typeface="Lato"/>
+              <a:buNone/>
+              <a:defRPr sz="1400" b="0" i="0" u="none" strike="noStrike" cap="none">
+                <a:solidFill>
+                  <a:srgbClr val="677480"/>
+                </a:solidFill>
+                <a:latin typeface="Lato"/>
+                <a:ea typeface="Lato"/>
+                <a:cs typeface="Lato"/>
+                <a:sym typeface="Lato"/>
+                <a:rtl val="0"/>
+              </a:defRPr>
+            </a:lvl8pPr>
+            <a:lvl9pPr marR="0" lvl="8" algn="l" rtl="0">
+              <a:lnSpc>
+                <a:spcPct val="100000"/>
+              </a:lnSpc>
+              <a:spcBef>
+                <a:spcPts val="0"/>
+              </a:spcBef>
+              <a:spcAft>
+                <a:spcPts val="0"/>
+              </a:spcAft>
+              <a:buClr>
+                <a:srgbClr val="677480"/>
+              </a:buClr>
+              <a:buSzPct val="100000"/>
+              <a:buFont typeface="Lato"/>
+              <a:buNone/>
+              <a:defRPr sz="1400" b="0" i="0" u="none" strike="noStrike" cap="none">
+                <a:solidFill>
+                  <a:srgbClr val="677480"/>
+                </a:solidFill>
+                <a:latin typeface="Lato"/>
+                <a:ea typeface="Lato"/>
+                <a:cs typeface="Lato"/>
+                <a:sym typeface="Lato"/>
+                <a:rtl val="0"/>
+              </a:defRPr>
+            </a:lvl9pPr>
+          </a:lstStyle>
+          <a:p>
+            <a:pPr marL="342900" indent="-342900">
+              <a:buFont typeface="Wingdings" panose="05000000000000000000" pitchFamily="2" charset="2"/>
+              <a:buChar char="Ø"/>
+            </a:pPr>
+            <a:r>
+              <a:rPr lang="en-US" sz="2400" dirty="0" smtClean="0"/>
+              <a:t>Ngoc </a:t>
+            </a:r>
+            <a:r>
+              <a:rPr lang="en-US" sz="2400" dirty="0" err="1"/>
+              <a:t>Kieu</a:t>
+            </a:r>
+            <a:r>
+              <a:rPr lang="en-US" sz="2400" dirty="0"/>
+              <a:t> Thanh Huynh – </a:t>
+            </a:r>
+            <a:r>
+              <a:rPr lang="en-US" sz="2400" dirty="0" smtClean="0"/>
+              <a:t>2688093</a:t>
+            </a:r>
+          </a:p>
+          <a:p>
+            <a:pPr marL="342900" indent="-342900">
+              <a:buFont typeface="Wingdings" panose="05000000000000000000" pitchFamily="2" charset="2"/>
+              <a:buChar char="Ø"/>
+            </a:pPr>
+            <a:endParaRPr lang="en-US" sz="2400" dirty="0"/>
+          </a:p>
+          <a:p>
+            <a:pPr marL="342900" indent="-342900">
+              <a:buFont typeface="Wingdings" panose="05000000000000000000" pitchFamily="2" charset="2"/>
+              <a:buChar char="Ø"/>
+            </a:pPr>
+            <a:r>
+              <a:rPr lang="fr-FR" sz="2400" dirty="0"/>
+              <a:t>Bilal Butt – </a:t>
+            </a:r>
+            <a:r>
+              <a:rPr lang="fr-FR" sz="2400" dirty="0" smtClean="0"/>
+              <a:t>2688700</a:t>
+            </a:r>
+          </a:p>
+          <a:p>
+            <a:pPr marL="342900" indent="-342900">
+              <a:buFont typeface="Wingdings" panose="05000000000000000000" pitchFamily="2" charset="2"/>
+              <a:buChar char="Ø"/>
+            </a:pPr>
+            <a:endParaRPr lang="en-US" sz="2400" dirty="0"/>
+          </a:p>
+          <a:p>
+            <a:pPr marL="342900" indent="-342900">
+              <a:buFont typeface="Wingdings" panose="05000000000000000000" pitchFamily="2" charset="2"/>
+              <a:buChar char="Ø"/>
+            </a:pPr>
+            <a:r>
+              <a:rPr lang="fr-FR" sz="2400" dirty="0"/>
+              <a:t>Michel </a:t>
+            </a:r>
+            <a:r>
+              <a:rPr lang="fr-FR" sz="2400" dirty="0" err="1"/>
+              <a:t>Clerger</a:t>
+            </a:r>
+            <a:r>
+              <a:rPr lang="fr-FR" sz="2400" dirty="0"/>
+              <a:t> – </a:t>
+            </a:r>
+            <a:r>
+              <a:rPr lang="fr-FR" sz="2400" dirty="0" smtClean="0"/>
+              <a:t>2694646</a:t>
+            </a:r>
+          </a:p>
+          <a:p>
+            <a:pPr marL="342900" indent="-342900">
+              <a:buFont typeface="Wingdings" panose="05000000000000000000" pitchFamily="2" charset="2"/>
+              <a:buChar char="Ø"/>
+            </a:pPr>
+            <a:endParaRPr lang="en-US" sz="2400" dirty="0"/>
+          </a:p>
+          <a:p>
+            <a:pPr marL="342900" indent="-342900">
+              <a:buFont typeface="Wingdings" panose="05000000000000000000" pitchFamily="2" charset="2"/>
+              <a:buChar char="Ø"/>
+            </a:pPr>
+            <a:r>
+              <a:rPr lang="fr-FR" sz="2400" dirty="0"/>
+              <a:t>Roman </a:t>
+            </a:r>
+            <a:r>
+              <a:rPr lang="fr-FR" sz="2400" dirty="0" err="1"/>
+              <a:t>Siabro</a:t>
+            </a:r>
+            <a:r>
+              <a:rPr lang="fr-FR" sz="2400" dirty="0"/>
+              <a:t> – 2224489</a:t>
+            </a:r>
+            <a:endParaRPr lang="en-US" sz="2400" dirty="0"/>
+          </a:p>
+          <a:p>
+            <a:pPr algn="ctr">
+              <a:buFont typeface="Lato"/>
+              <a:buNone/>
+            </a:pPr>
+            <a:r>
+              <a:rPr lang="en-US" sz="2000" b="1" dirty="0" smtClean="0">
+                <a:solidFill>
+                  <a:schemeClr val="accent1">
+                    <a:lumMod val="75000"/>
+                  </a:schemeClr>
+                </a:solidFill>
+              </a:rPr>
+              <a:t> </a:t>
+            </a:r>
+            <a:endParaRPr lang="en-US" sz="2000" b="1" dirty="0" smtClean="0">
+              <a:solidFill>
+                <a:schemeClr val="accent1">
+                  <a:lumMod val="75000"/>
+                </a:schemeClr>
+              </a:solidFill>
+            </a:endParaRPr>
+          </a:p>
+          <a:p>
+            <a:pPr>
+              <a:buFont typeface="Lato"/>
+              <a:buNone/>
+            </a:pPr>
+            <a:endParaRPr lang="en-US" sz="3200" b="1" dirty="0" smtClean="0"/>
+          </a:p>
+        </p:txBody>
+      </p:sp>
     </p:spTree>
   </p:cSld>
   <p:clrMapOvr>
@@ -3618,7 +4037,19 @@
                 <a:cs typeface="Raleway"/>
                 <a:sym typeface="Raleway"/>
               </a:rPr>
-              <a:t>“XYZ” SYSTEMS</a:t>
+              <a:t>“LOOP_IT” </a:t>
+            </a:r>
+            <a:r>
+              <a:rPr lang="en-US" dirty="0" smtClean="0">
+                <a:solidFill>
+                  <a:srgbClr val="97ABBC"/>
+                </a:solidFill>
+                <a:latin typeface="Raleway"/>
+                <a:ea typeface="Raleway"/>
+                <a:cs typeface="Raleway"/>
+                <a:sym typeface="Raleway"/>
+              </a:rPr>
+              <a:t>SYSTEMS</a:t>
             </a:r>
             <a:endParaRPr lang="en" dirty="0" smtClean="0">
               <a:solidFill>
@@ -8999,7 +9430,7 @@
                   <a:srgbClr val="7ECEFD"/>
                 </a:solidFill>
               </a:rPr>
-              <a:t>Thanks!</a:t>
+              <a:t>Thank you!</a:t>
             </a:r>
             <a:endParaRPr lang="en" sz="6000" dirty="0">
               <a:solidFill>
@@ -9041,96 +9472,14 @@
               <a:buNone/>
             </a:pPr>
             <a:r>
-              <a:rPr lang="en" sz="4800" b="1" dirty="0">
+              <a:rPr lang="en" sz="4800" b="1" dirty="0" smtClean="0">
                 <a:solidFill>
                   <a:srgbClr val="FFFFFF"/>
                 </a:solidFill>
               </a:rPr>
-              <a:t>Any questions?</a:t>
+              <a:t>Question?</a:t>
             </a:r>
-          </a:p>
-        </p:txBody>
-      </p:sp>
-      <p:sp>
-        <p:nvSpPr>
-          <p:cNvPr id="296" name="Shape 296"/>
-          <p:cNvSpPr txBox="1">
-            <a:spLocks noGrp="1"/>
-          </p:cNvSpPr>
-          <p:nvPr>
-            <p:ph type="body" idx="4294967295"/>
-          </p:nvPr>
-        </p:nvSpPr>
-        <p:spPr>
-          <a:xfrm>
-            <a:off x="916025" y="3678675"/>
-            <a:ext cx="5561100" cy="2660700"/>
-          </a:xfrm>
-          <a:prstGeom prst="rect">
-            <a:avLst/>
-          </a:prstGeom>
-        </p:spPr>
-        <p:txBody>
-          <a:bodyPr lIns="91425" tIns="91425" rIns="91425" bIns="91425" anchor="t" anchorCtr="0">
-            <a:noAutofit/>
-          </a:bodyPr>
-          <a:lstStyle/>
-          <a:p>
-            <a:pPr lvl="0" rtl="0">
-              <a:spcBef>
-                <a:spcPts val="0"/>
-              </a:spcBef>
-              <a:buNone/>
-            </a:pPr>
-            <a:r>
-              <a:rPr lang="en" sz="2400" dirty="0">
-                <a:solidFill>
-                  <a:srgbClr val="FFFFFF"/>
-                </a:solidFill>
-              </a:rPr>
-              <a:t>You can find me at</a:t>
-            </a:r>
-            <a:r>
-              <a:rPr lang="en" sz="2400" dirty="0" smtClean="0">
-                <a:solidFill>
-                  <a:srgbClr val="FFFFFF"/>
-                </a:solidFill>
-              </a:rPr>
-              <a:t>:</a:t>
-            </a:r>
-          </a:p>
-          <a:p>
-            <a:pPr lvl="0" rtl="0">
-              <a:spcBef>
-                <a:spcPts val="0"/>
-              </a:spcBef>
-              <a:buNone/>
-            </a:pPr>
-            <a:r>
-              <a:rPr lang="en" sz="2400" dirty="0" smtClean="0">
-                <a:solidFill>
-                  <a:srgbClr val="FFFFFF"/>
-                </a:solidFill>
-              </a:rPr>
-              <a:t>@username</a:t>
-            </a:r>
-          </a:p>
-          <a:p>
-            <a:pPr lvl="0" rtl="0">
-              <a:spcBef>
-                <a:spcPts val="0"/>
-              </a:spcBef>
-              <a:buNone/>
-            </a:pPr>
-            <a:r>
-              <a:rPr lang="en" sz="2400" dirty="0" smtClean="0">
-                <a:solidFill>
-                  <a:srgbClr val="FFFFFF"/>
-                </a:solidFill>
-              </a:rPr>
-              <a:t>user@mail.me</a:t>
-            </a:r>
-            <a:endParaRPr lang="en" sz="2400" dirty="0">
+            <a:endParaRPr lang="en" sz="4800" b="1" dirty="0">
               <a:solidFill>
                 <a:srgbClr val="FFFFFF"/>
               </a:solidFill>

--- a/Documents/Presentation/Prop-Presentation.pptx
+++ b/Documents/Presentation/Prop-Presentation.pptx
@@ -22,16 +22,16 @@
   <p:notesSz cx="6858000" cy="9144000"/>
   <p:embeddedFontLst>
     <p:embeddedFont>
-      <p:font typeface="Lato" panose="020B0604020202020204" charset="0"/>
+      <p:font typeface="Raleway" panose="020B0604020202020204" charset="0"/>
       <p:regular r:id="rId10"/>
       <p:bold r:id="rId11"/>
-      <p:italic r:id="rId12"/>
-      <p:boldItalic r:id="rId13"/>
     </p:embeddedFont>
     <p:embeddedFont>
-      <p:font typeface="Raleway" panose="020B0604020202020204" charset="0"/>
-      <p:regular r:id="rId14"/>
-      <p:bold r:id="rId15"/>
+      <p:font typeface="Lato" panose="020B0604020202020204" charset="0"/>
+      <p:regular r:id="rId12"/>
+      <p:bold r:id="rId13"/>
+      <p:italic r:id="rId14"/>
+      <p:boldItalic r:id="rId15"/>
     </p:embeddedFont>
   </p:embeddedFontLst>
   <p:defaultTextStyle>
@@ -245,6 +245,14 @@
       </a:defRPr>
     </a:lvl9pPr>
   </p:defaultTextStyle>
+  <p:extLst>
+    <p:ext uri="{EFAFB233-063F-42B5-8137-9DF3F51BA10A}">
+      <p15:sldGuideLst xmlns:p15="http://schemas.microsoft.com/office/powerpoint/2012/main"/>
+    </p:ext>
+    <p:ext uri="{2D200454-40CA-4A62-9FC3-DE9A4176ACB9}">
+      <p15:notesGuideLst xmlns:p15="http://schemas.microsoft.com/office/powerpoint/2012/main"/>
+    </p:ext>
+  </p:extLst>
 </p:presentation>
 </file>
 
@@ -330,7 +338,7 @@
           <a:p>
             <a:fld id="{FEBEB24F-E633-40E1-BB93-9B580BD43BF6}" type="datetimeFigureOut">
               <a:rPr lang="en-US" smtClean="0"/>
-              <a:t>1/18/2016</a:t>
+              <a:t>1/25/2016</a:t>
             </a:fld>
             <a:endParaRPr lang="en-US"/>
           </a:p>
@@ -3537,6 +3545,399 @@
           </a:p>
         </p:txBody>
       </p:sp>
+      <p:sp>
+        <p:nvSpPr>
+          <p:cNvPr id="3" name="Shape 289"/>
+          <p:cNvSpPr txBox="1">
+            <a:spLocks/>
+          </p:cNvSpPr>
+          <p:nvPr/>
+        </p:nvSpPr>
+        <p:spPr>
+          <a:xfrm>
+            <a:off x="924655" y="2358072"/>
+            <a:ext cx="7555946" cy="2965042"/>
+          </a:xfrm>
+          <a:prstGeom prst="rect">
+            <a:avLst/>
+          </a:prstGeom>
+          <a:noFill/>
+          <a:ln>
+            <a:noFill/>
+          </a:ln>
+        </p:spPr>
+        <p:txBody>
+          <a:bodyPr lIns="91425" tIns="91425" rIns="91425" bIns="91425" anchor="ctr" anchorCtr="0">
+            <a:noAutofit/>
+          </a:bodyPr>
+          <a:lstStyle>
+            <a:defPPr marR="0" lvl="0" algn="l" rtl="0">
+              <a:lnSpc>
+                <a:spcPct val="100000"/>
+              </a:lnSpc>
+              <a:spcBef>
+                <a:spcPts val="0"/>
+              </a:spcBef>
+              <a:spcAft>
+                <a:spcPts val="0"/>
+              </a:spcAft>
+            </a:defPPr>
+            <a:lvl1pPr marR="0" lvl="0" algn="l" rtl="0">
+              <a:lnSpc>
+                <a:spcPct val="100000"/>
+              </a:lnSpc>
+              <a:spcBef>
+                <a:spcPts val="600"/>
+              </a:spcBef>
+              <a:spcAft>
+                <a:spcPts val="0"/>
+              </a:spcAft>
+              <a:buClr>
+                <a:srgbClr val="677480"/>
+              </a:buClr>
+              <a:buSzPct val="100000"/>
+              <a:buFont typeface="Lato"/>
+              <a:buChar char="▷"/>
+              <a:defRPr sz="3000" b="0" i="0" u="none" strike="noStrike" cap="none">
+                <a:solidFill>
+                  <a:srgbClr val="677480"/>
+                </a:solidFill>
+                <a:latin typeface="Lato"/>
+                <a:ea typeface="Lato"/>
+                <a:cs typeface="Lato"/>
+                <a:sym typeface="Lato"/>
+                <a:rtl val="0"/>
+              </a:defRPr>
+            </a:lvl1pPr>
+            <a:lvl2pPr marR="0" lvl="1" algn="l" rtl="0">
+              <a:lnSpc>
+                <a:spcPct val="100000"/>
+              </a:lnSpc>
+              <a:spcBef>
+                <a:spcPts val="480"/>
+              </a:spcBef>
+              <a:spcAft>
+                <a:spcPts val="0"/>
+              </a:spcAft>
+              <a:buClr>
+                <a:srgbClr val="677480"/>
+              </a:buClr>
+              <a:buSzPct val="100000"/>
+              <a:buFont typeface="Lato"/>
+              <a:buNone/>
+              <a:defRPr sz="2400" b="0" i="0" u="none" strike="noStrike" cap="none">
+                <a:solidFill>
+                  <a:srgbClr val="677480"/>
+                </a:solidFill>
+                <a:latin typeface="Lato"/>
+                <a:ea typeface="Lato"/>
+                <a:cs typeface="Lato"/>
+                <a:sym typeface="Lato"/>
+                <a:rtl val="0"/>
+              </a:defRPr>
+            </a:lvl2pPr>
+            <a:lvl3pPr marR="0" lvl="2" algn="l" rtl="0">
+              <a:lnSpc>
+                <a:spcPct val="100000"/>
+              </a:lnSpc>
+              <a:spcBef>
+                <a:spcPts val="480"/>
+              </a:spcBef>
+              <a:spcAft>
+                <a:spcPts val="0"/>
+              </a:spcAft>
+              <a:buClr>
+                <a:srgbClr val="677480"/>
+              </a:buClr>
+              <a:buSzPct val="100000"/>
+              <a:buFont typeface="Lato"/>
+              <a:buNone/>
+              <a:defRPr sz="2400" b="0" i="0" u="none" strike="noStrike" cap="none">
+                <a:solidFill>
+                  <a:srgbClr val="677480"/>
+                </a:solidFill>
+                <a:latin typeface="Lato"/>
+                <a:ea typeface="Lato"/>
+                <a:cs typeface="Lato"/>
+                <a:sym typeface="Lato"/>
+                <a:rtl val="0"/>
+              </a:defRPr>
+            </a:lvl3pPr>
+            <a:lvl4pPr marR="0" lvl="3" algn="l" rtl="0">
+              <a:lnSpc>
+                <a:spcPct val="100000"/>
+              </a:lnSpc>
+              <a:spcBef>
+                <a:spcPts val="360"/>
+              </a:spcBef>
+              <a:spcAft>
+                <a:spcPts val="0"/>
+              </a:spcAft>
+              <a:buClr>
+                <a:srgbClr val="677480"/>
+              </a:buClr>
+              <a:buSzPct val="100000"/>
+              <a:buFont typeface="Lato"/>
+              <a:buNone/>
+              <a:defRPr sz="1800" b="0" i="0" u="none" strike="noStrike" cap="none">
+                <a:solidFill>
+                  <a:srgbClr val="677480"/>
+                </a:solidFill>
+                <a:latin typeface="Lato"/>
+                <a:ea typeface="Lato"/>
+                <a:cs typeface="Lato"/>
+                <a:sym typeface="Lato"/>
+                <a:rtl val="0"/>
+              </a:defRPr>
+            </a:lvl4pPr>
+            <a:lvl5pPr marR="0" lvl="4" algn="l" rtl="0">
+              <a:lnSpc>
+                <a:spcPct val="100000"/>
+              </a:lnSpc>
+              <a:spcBef>
+                <a:spcPts val="360"/>
+              </a:spcBef>
+              <a:spcAft>
+                <a:spcPts val="0"/>
+              </a:spcAft>
+              <a:buClr>
+                <a:srgbClr val="677480"/>
+              </a:buClr>
+              <a:buSzPct val="100000"/>
+              <a:buFont typeface="Lato"/>
+              <a:buNone/>
+              <a:defRPr sz="1800" b="0" i="0" u="none" strike="noStrike" cap="none">
+                <a:solidFill>
+                  <a:srgbClr val="677480"/>
+                </a:solidFill>
+                <a:latin typeface="Lato"/>
+                <a:ea typeface="Lato"/>
+                <a:cs typeface="Lato"/>
+                <a:sym typeface="Lato"/>
+                <a:rtl val="0"/>
+              </a:defRPr>
+            </a:lvl5pPr>
+            <a:lvl6pPr marR="0" lvl="5" algn="l" rtl="0">
+              <a:lnSpc>
+                <a:spcPct val="100000"/>
+              </a:lnSpc>
+              <a:spcBef>
+                <a:spcPts val="360"/>
+              </a:spcBef>
+              <a:spcAft>
+                <a:spcPts val="0"/>
+              </a:spcAft>
+              <a:buClr>
+                <a:srgbClr val="677480"/>
+              </a:buClr>
+              <a:buSzPct val="100000"/>
+              <a:buFont typeface="Lato"/>
+              <a:buNone/>
+              <a:defRPr sz="1800" b="0" i="0" u="none" strike="noStrike" cap="none">
+                <a:solidFill>
+                  <a:srgbClr val="677480"/>
+                </a:solidFill>
+                <a:latin typeface="Lato"/>
+                <a:ea typeface="Lato"/>
+                <a:cs typeface="Lato"/>
+                <a:sym typeface="Lato"/>
+                <a:rtl val="0"/>
+              </a:defRPr>
+            </a:lvl6pPr>
+            <a:lvl7pPr marR="0" lvl="6" algn="l" rtl="0">
+              <a:lnSpc>
+                <a:spcPct val="100000"/>
+              </a:lnSpc>
+              <a:spcBef>
+                <a:spcPts val="360"/>
+              </a:spcBef>
+              <a:spcAft>
+                <a:spcPts val="0"/>
+              </a:spcAft>
+              <a:buClr>
+                <a:srgbClr val="677480"/>
+              </a:buClr>
+              <a:buSzPct val="100000"/>
+              <a:buFont typeface="Lato"/>
+              <a:buNone/>
+              <a:defRPr sz="1800" b="0" i="0" u="none" strike="noStrike" cap="none">
+                <a:solidFill>
+                  <a:srgbClr val="677480"/>
+                </a:solidFill>
+                <a:latin typeface="Lato"/>
+                <a:ea typeface="Lato"/>
+                <a:cs typeface="Lato"/>
+                <a:sym typeface="Lato"/>
+                <a:rtl val="0"/>
+              </a:defRPr>
+            </a:lvl7pPr>
+            <a:lvl8pPr marR="0" lvl="7" algn="l" rtl="0">
+              <a:lnSpc>
+                <a:spcPct val="100000"/>
+              </a:lnSpc>
+              <a:spcBef>
+                <a:spcPts val="360"/>
+              </a:spcBef>
+              <a:spcAft>
+                <a:spcPts val="0"/>
+              </a:spcAft>
+              <a:buClr>
+                <a:srgbClr val="677480"/>
+              </a:buClr>
+              <a:buSzPct val="100000"/>
+              <a:buFont typeface="Lato"/>
+              <a:buNone/>
+              <a:defRPr sz="1800" b="0" i="0" u="none" strike="noStrike" cap="none">
+                <a:solidFill>
+                  <a:srgbClr val="677480"/>
+                </a:solidFill>
+                <a:latin typeface="Lato"/>
+                <a:ea typeface="Lato"/>
+                <a:cs typeface="Lato"/>
+                <a:sym typeface="Lato"/>
+                <a:rtl val="0"/>
+              </a:defRPr>
+            </a:lvl8pPr>
+            <a:lvl9pPr marR="0" lvl="8" algn="l" rtl="0">
+              <a:lnSpc>
+                <a:spcPct val="100000"/>
+              </a:lnSpc>
+              <a:spcBef>
+                <a:spcPts val="360"/>
+              </a:spcBef>
+              <a:spcAft>
+                <a:spcPts val="0"/>
+              </a:spcAft>
+              <a:buClr>
+                <a:srgbClr val="677480"/>
+              </a:buClr>
+              <a:buSzPct val="100000"/>
+              <a:buFont typeface="Lato"/>
+              <a:buNone/>
+              <a:defRPr sz="1800" b="0" i="0" u="none" strike="noStrike" cap="none">
+                <a:solidFill>
+                  <a:srgbClr val="677480"/>
+                </a:solidFill>
+                <a:latin typeface="Lato"/>
+                <a:ea typeface="Lato"/>
+                <a:cs typeface="Lato"/>
+                <a:sym typeface="Lato"/>
+                <a:rtl val="0"/>
+              </a:defRPr>
+            </a:lvl9pPr>
+          </a:lstStyle>
+          <a:p>
+            <a:pPr marL="514350" indent="-514350">
+              <a:spcBef>
+                <a:spcPts val="1200"/>
+              </a:spcBef>
+              <a:buFont typeface="+mj-lt"/>
+              <a:buAutoNum type="arabicPeriod"/>
+            </a:pPr>
+            <a:r>
+              <a:rPr lang="en-US" sz="2800" dirty="0"/>
+              <a:t>Ngoc </a:t>
+            </a:r>
+            <a:r>
+              <a:rPr lang="en-US" sz="2800" dirty="0" err="1"/>
+              <a:t>Kieu</a:t>
+            </a:r>
+            <a:r>
+              <a:rPr lang="en-US" sz="2800" dirty="0"/>
+              <a:t> Thanh Huynh – </a:t>
+            </a:r>
+            <a:r>
+              <a:rPr lang="en-US" sz="2800" dirty="0" smtClean="0"/>
+              <a:t>2688093</a:t>
+            </a:r>
+            <a:endParaRPr lang="en-US" sz="2800" dirty="0"/>
+          </a:p>
+          <a:p>
+            <a:pPr marL="514350" indent="-514350">
+              <a:spcBef>
+                <a:spcPts val="1200"/>
+              </a:spcBef>
+              <a:buFont typeface="+mj-lt"/>
+              <a:buAutoNum type="arabicPeriod"/>
+            </a:pPr>
+            <a:r>
+              <a:rPr lang="fr-FR" sz="2800" dirty="0" smtClean="0"/>
+              <a:t>Bilal Butt – 2688700</a:t>
+            </a:r>
+            <a:endParaRPr lang="en-US" sz="2800" dirty="0" smtClean="0"/>
+          </a:p>
+          <a:p>
+            <a:pPr marL="514350" indent="-514350">
+              <a:spcBef>
+                <a:spcPts val="1200"/>
+              </a:spcBef>
+              <a:buFont typeface="+mj-lt"/>
+              <a:buAutoNum type="arabicPeriod"/>
+            </a:pPr>
+            <a:r>
+              <a:rPr lang="fr-FR" sz="2800" dirty="0" smtClean="0"/>
+              <a:t>Michel </a:t>
+            </a:r>
+            <a:r>
+              <a:rPr lang="fr-FR" sz="2800" dirty="0" err="1"/>
+              <a:t>Clerger</a:t>
+            </a:r>
+            <a:r>
+              <a:rPr lang="fr-FR" sz="2800" dirty="0"/>
+              <a:t> – </a:t>
+            </a:r>
+            <a:r>
+              <a:rPr lang="fr-FR" sz="2800" dirty="0" smtClean="0"/>
+              <a:t>2694646</a:t>
+            </a:r>
+            <a:endParaRPr lang="en-US" sz="2800" dirty="0"/>
+          </a:p>
+          <a:p>
+            <a:pPr marL="514350" indent="-514350">
+              <a:spcBef>
+                <a:spcPts val="1200"/>
+              </a:spcBef>
+              <a:buFont typeface="+mj-lt"/>
+              <a:buAutoNum type="arabicPeriod"/>
+            </a:pPr>
+            <a:r>
+              <a:rPr lang="fr-FR" sz="2800" dirty="0" smtClean="0"/>
+              <a:t>Roman </a:t>
+            </a:r>
+            <a:r>
+              <a:rPr lang="fr-FR" sz="2800" dirty="0" err="1"/>
+              <a:t>Siabro</a:t>
+            </a:r>
+            <a:r>
+              <a:rPr lang="fr-FR" sz="2800" dirty="0"/>
+              <a:t> – </a:t>
+            </a:r>
+            <a:r>
+              <a:rPr lang="fr-FR" sz="2800" dirty="0" smtClean="0"/>
+              <a:t>2224489</a:t>
+            </a:r>
+            <a:endParaRPr lang="en-US" sz="2800" dirty="0" smtClean="0"/>
+          </a:p>
+          <a:p>
+            <a:pPr algn="ctr">
+              <a:spcBef>
+                <a:spcPts val="0"/>
+              </a:spcBef>
+              <a:buFont typeface="Lato"/>
+              <a:buNone/>
+            </a:pPr>
+            <a:endParaRPr lang="en" dirty="0" smtClean="0">
+              <a:solidFill>
+                <a:srgbClr val="97ABBC"/>
+              </a:solidFill>
+              <a:latin typeface="Raleway"/>
+              <a:ea typeface="Raleway"/>
+              <a:cs typeface="Raleway"/>
+              <a:sym typeface="Raleway"/>
+            </a:endParaRPr>
+          </a:p>
+        </p:txBody>
+      </p:sp>
     </p:spTree>
   </p:cSld>
   <p:clrMapOvr>
@@ -3618,7 +4019,43 @@
                 <a:cs typeface="Raleway"/>
                 <a:sym typeface="Raleway"/>
               </a:rPr>
-              <a:t>“XYZ” SYSTEMS</a:t>
+              <a:t>“</a:t>
+            </a:r>
+            <a:r>
+              <a:rPr lang="en-US" dirty="0" err="1" smtClean="0">
+                <a:solidFill>
+                  <a:srgbClr val="97ABBC"/>
+                </a:solidFill>
+                <a:latin typeface="Raleway"/>
+                <a:ea typeface="Raleway"/>
+                <a:cs typeface="Raleway"/>
+                <a:sym typeface="Raleway"/>
+              </a:rPr>
+              <a:t>LoopIT</a:t>
+            </a:r>
+            <a:r>
+              <a:rPr lang="en-US" dirty="0" smtClean="0">
+                <a:solidFill>
+                  <a:srgbClr val="97ABBC"/>
+                </a:solidFill>
+                <a:latin typeface="Raleway"/>
+                <a:ea typeface="Raleway"/>
+                <a:cs typeface="Raleway"/>
+                <a:sym typeface="Raleway"/>
+              </a:rPr>
+              <a:t>” </a:t>
+            </a:r>
+            <a:r>
+              <a:rPr lang="en-US" dirty="0" smtClean="0">
+                <a:solidFill>
+                  <a:srgbClr val="97ABBC"/>
+                </a:solidFill>
+                <a:latin typeface="Raleway"/>
+                <a:ea typeface="Raleway"/>
+                <a:cs typeface="Raleway"/>
+                <a:sym typeface="Raleway"/>
+              </a:rPr>
+              <a:t>SYSTEMS</a:t>
             </a:r>
             <a:endParaRPr lang="en" dirty="0" smtClean="0">
               <a:solidFill>

--- a/Documents/Presentation/Prop-Presentation.pptx
+++ b/Documents/Presentation/Prop-Presentation.pptx
@@ -5,33 +5,34 @@
     <p:sldMasterId id="2147483658" r:id="rId1"/>
   </p:sldMasterIdLst>
   <p:notesMasterIdLst>
-    <p:notesMasterId r:id="rId8"/>
+    <p:notesMasterId r:id="rId9"/>
   </p:notesMasterIdLst>
   <p:handoutMasterIdLst>
-    <p:handoutMasterId r:id="rId9"/>
+    <p:handoutMasterId r:id="rId10"/>
   </p:handoutMasterIdLst>
   <p:sldIdLst>
     <p:sldId id="256" r:id="rId2"/>
     <p:sldId id="278" r:id="rId3"/>
     <p:sldId id="281" r:id="rId4"/>
-    <p:sldId id="282" r:id="rId5"/>
-    <p:sldId id="283" r:id="rId6"/>
-    <p:sldId id="279" r:id="rId7"/>
+    <p:sldId id="284" r:id="rId5"/>
+    <p:sldId id="282" r:id="rId6"/>
+    <p:sldId id="283" r:id="rId7"/>
+    <p:sldId id="279" r:id="rId8"/>
   </p:sldIdLst>
   <p:sldSz cx="9144000" cy="6858000" type="screen4x3"/>
   <p:notesSz cx="6858000" cy="9144000"/>
   <p:embeddedFontLst>
     <p:embeddedFont>
       <p:font typeface="Raleway" panose="020B0604020202020204" charset="0"/>
-      <p:regular r:id="rId10"/>
-      <p:bold r:id="rId11"/>
+      <p:regular r:id="rId11"/>
+      <p:bold r:id="rId12"/>
     </p:embeddedFont>
     <p:embeddedFont>
       <p:font typeface="Lato" panose="020B0604020202020204" charset="0"/>
-      <p:regular r:id="rId12"/>
-      <p:bold r:id="rId13"/>
-      <p:italic r:id="rId14"/>
-      <p:boldItalic r:id="rId15"/>
+      <p:regular r:id="rId13"/>
+      <p:bold r:id="rId14"/>
+      <p:italic r:id="rId15"/>
+      <p:boldItalic r:id="rId16"/>
     </p:embeddedFont>
   </p:embeddedFontLst>
   <p:defaultTextStyle>
@@ -338,7 +339,7 @@
           <a:p>
             <a:fld id="{FEBEB24F-E633-40E1-BB93-9B580BD43BF6}" type="datetimeFigureOut">
               <a:rPr lang="en-US" smtClean="0"/>
-              <a:t>1/25/2016</a:t>
+              <a:t>1/27/2016</a:t>
             </a:fld>
             <a:endParaRPr lang="en-US"/>
           </a:p>
@@ -1129,7 +1130,7 @@
     </p:spTree>
     <p:extLst>
       <p:ext uri="{BB962C8B-B14F-4D97-AF65-F5344CB8AC3E}">
-        <p14:creationId xmlns:p14="http://schemas.microsoft.com/office/powerpoint/2010/main" val="3053515240"/>
+        <p14:creationId xmlns:p14="http://schemas.microsoft.com/office/powerpoint/2010/main" val="479645863"/>
       </p:ext>
     </p:extLst>
   </p:cSld>
@@ -1251,6 +1252,128 @@
     </p:spTree>
     <p:extLst>
       <p:ext uri="{BB962C8B-B14F-4D97-AF65-F5344CB8AC3E}">
+        <p14:creationId xmlns:p14="http://schemas.microsoft.com/office/powerpoint/2010/main" val="3053515240"/>
+      </p:ext>
+    </p:extLst>
+  </p:cSld>
+  <p:clrMapOvr>
+    <a:masterClrMapping/>
+  </p:clrMapOvr>
+</p:notes>
+</file>
+
+<file path=ppt/notesSlides/notesSlide6.xml><?xml version="1.0" encoding="utf-8"?>
+<p:notes xmlns:a="http://schemas.openxmlformats.org/drawingml/2006/main" xmlns:r="http://schemas.openxmlformats.org/officeDocument/2006/relationships" xmlns:p="http://schemas.openxmlformats.org/presentationml/2006/main" showMasterSp="0" showMasterPhAnim="0">
+  <p:cSld>
+    <p:spTree>
+      <p:nvGrpSpPr>
+        <p:cNvPr id="1" name="Shape 218"/>
+        <p:cNvGrpSpPr/>
+        <p:nvPr/>
+      </p:nvGrpSpPr>
+      <p:grpSpPr>
+        <a:xfrm>
+          <a:off x="0" y="0"/>
+          <a:ext cx="0" cy="0"/>
+          <a:chOff x="0" y="0"/>
+          <a:chExt cx="0" cy="0"/>
+        </a:xfrm>
+      </p:grpSpPr>
+      <p:sp>
+        <p:nvSpPr>
+          <p:cNvPr id="219" name="Shape 219"/>
+          <p:cNvSpPr>
+            <a:spLocks noGrp="1" noRot="1" noChangeAspect="1"/>
+          </p:cNvSpPr>
+          <p:nvPr>
+            <p:ph type="sldImg" idx="2"/>
+          </p:nvPr>
+        </p:nvSpPr>
+        <p:spPr>
+          <a:xfrm>
+            <a:off x="1143000" y="685800"/>
+            <a:ext cx="4572000" cy="3429000"/>
+          </a:xfrm>
+          <a:custGeom>
+            <a:avLst/>
+            <a:gdLst/>
+            <a:ahLst/>
+            <a:cxnLst/>
+            <a:rect l="0" t="0" r="0" b="0"/>
+            <a:pathLst>
+              <a:path w="120000" h="120000" extrusionOk="0">
+                <a:moveTo>
+                  <a:pt x="0" y="0"/>
+                </a:moveTo>
+                <a:lnTo>
+                  <a:pt x="120000" y="0"/>
+                </a:lnTo>
+                <a:lnTo>
+                  <a:pt x="120000" y="120000"/>
+                </a:lnTo>
+                <a:lnTo>
+                  <a:pt x="0" y="120000"/>
+                </a:lnTo>
+                <a:close/>
+              </a:path>
+            </a:pathLst>
+          </a:custGeom>
+        </p:spPr>
+      </p:sp>
+      <p:sp>
+        <p:nvSpPr>
+          <p:cNvPr id="220" name="Shape 220"/>
+          <p:cNvSpPr txBox="1">
+            <a:spLocks noGrp="1"/>
+          </p:cNvSpPr>
+          <p:nvPr>
+            <p:ph type="body" idx="1"/>
+          </p:nvPr>
+        </p:nvSpPr>
+        <p:spPr>
+          <a:xfrm>
+            <a:off x="685800" y="4343400"/>
+            <a:ext cx="5486399" cy="4114800"/>
+          </a:xfrm>
+          <a:prstGeom prst="rect">
+            <a:avLst/>
+          </a:prstGeom>
+        </p:spPr>
+        <p:txBody>
+          <a:bodyPr lIns="91425" tIns="91425" rIns="91425" bIns="91425" anchor="t" anchorCtr="0">
+            <a:noAutofit/>
+          </a:bodyPr>
+          <a:lstStyle/>
+          <a:p>
+            <a:pPr lvl="0">
+              <a:spcBef>
+                <a:spcPts val="0"/>
+              </a:spcBef>
+              <a:buNone/>
+            </a:pPr>
+            <a:r>
+              <a:rPr lang="en-US" dirty="0" smtClean="0"/>
+              <a:t>What are</a:t>
+            </a:r>
+            <a:r>
+              <a:rPr lang="en-US" baseline="0" dirty="0" smtClean="0"/>
+              <a:t> the features organizers need before the events</a:t>
+            </a:r>
+          </a:p>
+          <a:p>
+            <a:pPr lvl="0">
+              <a:spcBef>
+                <a:spcPts val="0"/>
+              </a:spcBef>
+              <a:buNone/>
+            </a:pPr>
+            <a:endParaRPr dirty="0"/>
+          </a:p>
+        </p:txBody>
+      </p:sp>
+    </p:spTree>
+    <p:extLst>
+      <p:ext uri="{BB962C8B-B14F-4D97-AF65-F5344CB8AC3E}">
         <p14:creationId xmlns:p14="http://schemas.microsoft.com/office/powerpoint/2010/main" val="2960606668"/>
       </p:ext>
     </p:extLst>
@@ -1261,7 +1384,7 @@
 </p:notes>
 </file>
 
-<file path=ppt/notesSlides/notesSlide6.xml><?xml version="1.0" encoding="utf-8"?>
+<file path=ppt/notesSlides/notesSlide7.xml><?xml version="1.0" encoding="utf-8"?>
 <p:notes xmlns:a="http://schemas.openxmlformats.org/drawingml/2006/main" xmlns:r="http://schemas.openxmlformats.org/officeDocument/2006/relationships" xmlns:p="http://schemas.openxmlformats.org/presentationml/2006/main" showMasterSp="0" showMasterPhAnim="0">
   <p:cSld>
     <p:spTree>
@@ -4043,19 +4166,7 @@
                 <a:cs typeface="Raleway"/>
                 <a:sym typeface="Raleway"/>
               </a:rPr>
-              <a:t>” </a:t>
-            </a:r>
-            <a:r>
-              <a:rPr lang="en-US" dirty="0" smtClean="0">
-                <a:solidFill>
-                  <a:srgbClr val="97ABBC"/>
-                </a:solidFill>
-                <a:latin typeface="Raleway"/>
-                <a:ea typeface="Raleway"/>
-                <a:cs typeface="Raleway"/>
-                <a:sym typeface="Raleway"/>
-              </a:rPr>
-              <a:t>SYSTEMS</a:t>
+              <a:t>” SYSTEMS</a:t>
             </a:r>
             <a:endParaRPr lang="en" dirty="0" smtClean="0">
               <a:solidFill>
@@ -6488,6 +6599,1008 @@
       </p:grpSpPr>
       <p:sp>
         <p:nvSpPr>
+          <p:cNvPr id="14" name="Rectangle 13"/>
+          <p:cNvSpPr/>
+          <p:nvPr/>
+        </p:nvSpPr>
+        <p:spPr>
+          <a:xfrm>
+            <a:off x="0" y="0"/>
+            <a:ext cx="9144000" cy="924597"/>
+          </a:xfrm>
+          <a:prstGeom prst="rect">
+            <a:avLst/>
+          </a:prstGeom>
+          <a:solidFill>
+            <a:schemeClr val="accent1">
+              <a:lumMod val="60000"/>
+              <a:lumOff val="40000"/>
+            </a:schemeClr>
+          </a:solidFill>
+          <a:ln>
+            <a:noFill/>
+          </a:ln>
+        </p:spPr>
+        <p:style>
+          <a:lnRef idx="2">
+            <a:schemeClr val="accent1">
+              <a:shade val="50000"/>
+            </a:schemeClr>
+          </a:lnRef>
+          <a:fillRef idx="1">
+            <a:schemeClr val="accent1"/>
+          </a:fillRef>
+          <a:effectRef idx="0">
+            <a:schemeClr val="accent1"/>
+          </a:effectRef>
+          <a:fontRef idx="minor">
+            <a:schemeClr val="lt1"/>
+          </a:fontRef>
+        </p:style>
+        <p:txBody>
+          <a:bodyPr rtlCol="0" anchor="ctr"/>
+          <a:lstStyle/>
+          <a:p>
+            <a:pPr algn="ctr"/>
+            <a:endParaRPr lang="en-US"/>
+          </a:p>
+        </p:txBody>
+      </p:sp>
+      <p:sp>
+        <p:nvSpPr>
+          <p:cNvPr id="222" name="Shape 222"/>
+          <p:cNvSpPr txBox="1">
+            <a:spLocks noGrp="1"/>
+          </p:cNvSpPr>
+          <p:nvPr>
+            <p:ph type="title"/>
+          </p:nvPr>
+        </p:nvSpPr>
+        <p:spPr>
+          <a:xfrm>
+            <a:off x="199927" y="117605"/>
+            <a:ext cx="6462600" cy="678939"/>
+          </a:xfrm>
+          <a:prstGeom prst="rect">
+            <a:avLst/>
+          </a:prstGeom>
+        </p:spPr>
+        <p:txBody>
+          <a:bodyPr lIns="91425" tIns="91425" rIns="91425" bIns="91425" anchor="b" anchorCtr="0">
+            <a:noAutofit/>
+          </a:bodyPr>
+          <a:lstStyle/>
+          <a:p>
+            <a:pPr lvl="0" rtl="0">
+              <a:spcBef>
+                <a:spcPts val="0"/>
+              </a:spcBef>
+              <a:buNone/>
+            </a:pPr>
+            <a:r>
+              <a:rPr lang="en" dirty="0" smtClean="0">
+                <a:solidFill>
+                  <a:schemeClr val="bg1"/>
+                </a:solidFill>
+              </a:rPr>
+              <a:t>Event’s webstie</a:t>
+            </a:r>
+            <a:endParaRPr lang="en" dirty="0">
+              <a:solidFill>
+                <a:schemeClr val="bg1"/>
+              </a:solidFill>
+            </a:endParaRPr>
+          </a:p>
+        </p:txBody>
+      </p:sp>
+      <p:sp>
+        <p:nvSpPr>
+          <p:cNvPr id="20" name="Shape 223"/>
+          <p:cNvSpPr txBox="1">
+            <a:spLocks/>
+          </p:cNvSpPr>
+          <p:nvPr/>
+        </p:nvSpPr>
+        <p:spPr>
+          <a:xfrm>
+            <a:off x="199927" y="1221816"/>
+            <a:ext cx="7479016" cy="1031527"/>
+          </a:xfrm>
+          <a:prstGeom prst="rect">
+            <a:avLst/>
+          </a:prstGeom>
+          <a:ln/>
+        </p:spPr>
+        <p:style>
+          <a:lnRef idx="2">
+            <a:schemeClr val="accent1"/>
+          </a:lnRef>
+          <a:fillRef idx="1">
+            <a:schemeClr val="lt1"/>
+          </a:fillRef>
+          <a:effectRef idx="0">
+            <a:schemeClr val="accent1"/>
+          </a:effectRef>
+          <a:fontRef idx="minor">
+            <a:schemeClr val="dk1"/>
+          </a:fontRef>
+        </p:style>
+        <p:txBody>
+          <a:bodyPr lIns="91425" tIns="91425" rIns="91425" bIns="91425" anchor="t" anchorCtr="0">
+            <a:noAutofit/>
+          </a:bodyPr>
+          <a:lstStyle>
+            <a:defPPr marR="0" lvl="0" algn="l" rtl="0">
+              <a:lnSpc>
+                <a:spcPct val="100000"/>
+              </a:lnSpc>
+              <a:spcBef>
+                <a:spcPts val="0"/>
+              </a:spcBef>
+              <a:spcAft>
+                <a:spcPts val="0"/>
+              </a:spcAft>
+            </a:defPPr>
+            <a:lvl1pPr marR="0" lvl="0" algn="l" rtl="0">
+              <a:lnSpc>
+                <a:spcPct val="100000"/>
+              </a:lnSpc>
+              <a:spcBef>
+                <a:spcPts val="0"/>
+              </a:spcBef>
+              <a:spcAft>
+                <a:spcPts val="0"/>
+              </a:spcAft>
+              <a:buClr>
+                <a:srgbClr val="677480"/>
+              </a:buClr>
+              <a:buSzPct val="100000"/>
+              <a:buFont typeface="Lato"/>
+              <a:buChar char="▷"/>
+              <a:defRPr sz="1400" b="0" i="0" u="none" strike="noStrike" cap="none">
+                <a:solidFill>
+                  <a:srgbClr val="677480"/>
+                </a:solidFill>
+                <a:latin typeface="Lato"/>
+                <a:ea typeface="Lato"/>
+                <a:cs typeface="Lato"/>
+                <a:sym typeface="Lato"/>
+                <a:rtl val="0"/>
+              </a:defRPr>
+            </a:lvl1pPr>
+            <a:lvl2pPr marR="0" lvl="1" algn="l" rtl="0">
+              <a:lnSpc>
+                <a:spcPct val="100000"/>
+              </a:lnSpc>
+              <a:spcBef>
+                <a:spcPts val="0"/>
+              </a:spcBef>
+              <a:spcAft>
+                <a:spcPts val="0"/>
+              </a:spcAft>
+              <a:buClr>
+                <a:srgbClr val="677480"/>
+              </a:buClr>
+              <a:buSzPct val="100000"/>
+              <a:buFont typeface="Lato"/>
+              <a:buNone/>
+              <a:defRPr sz="1400" b="0" i="0" u="none" strike="noStrike" cap="none">
+                <a:solidFill>
+                  <a:srgbClr val="677480"/>
+                </a:solidFill>
+                <a:latin typeface="Lato"/>
+                <a:ea typeface="Lato"/>
+                <a:cs typeface="Lato"/>
+                <a:sym typeface="Lato"/>
+                <a:rtl val="0"/>
+              </a:defRPr>
+            </a:lvl2pPr>
+            <a:lvl3pPr marR="0" lvl="2" algn="l" rtl="0">
+              <a:lnSpc>
+                <a:spcPct val="100000"/>
+              </a:lnSpc>
+              <a:spcBef>
+                <a:spcPts val="0"/>
+              </a:spcBef>
+              <a:spcAft>
+                <a:spcPts val="0"/>
+              </a:spcAft>
+              <a:buClr>
+                <a:srgbClr val="677480"/>
+              </a:buClr>
+              <a:buSzPct val="100000"/>
+              <a:buFont typeface="Lato"/>
+              <a:buNone/>
+              <a:defRPr sz="1400" b="0" i="0" u="none" strike="noStrike" cap="none">
+                <a:solidFill>
+                  <a:srgbClr val="677480"/>
+                </a:solidFill>
+                <a:latin typeface="Lato"/>
+                <a:ea typeface="Lato"/>
+                <a:cs typeface="Lato"/>
+                <a:sym typeface="Lato"/>
+                <a:rtl val="0"/>
+              </a:defRPr>
+            </a:lvl3pPr>
+            <a:lvl4pPr marR="0" lvl="3" algn="l" rtl="0">
+              <a:lnSpc>
+                <a:spcPct val="100000"/>
+              </a:lnSpc>
+              <a:spcBef>
+                <a:spcPts val="0"/>
+              </a:spcBef>
+              <a:spcAft>
+                <a:spcPts val="0"/>
+              </a:spcAft>
+              <a:buClr>
+                <a:srgbClr val="677480"/>
+              </a:buClr>
+              <a:buSzPct val="100000"/>
+              <a:buFont typeface="Lato"/>
+              <a:buNone/>
+              <a:defRPr sz="1400" b="0" i="0" u="none" strike="noStrike" cap="none">
+                <a:solidFill>
+                  <a:srgbClr val="677480"/>
+                </a:solidFill>
+                <a:latin typeface="Lato"/>
+                <a:ea typeface="Lato"/>
+                <a:cs typeface="Lato"/>
+                <a:sym typeface="Lato"/>
+                <a:rtl val="0"/>
+              </a:defRPr>
+            </a:lvl4pPr>
+            <a:lvl5pPr marR="0" lvl="4" algn="l" rtl="0">
+              <a:lnSpc>
+                <a:spcPct val="100000"/>
+              </a:lnSpc>
+              <a:spcBef>
+                <a:spcPts val="0"/>
+              </a:spcBef>
+              <a:spcAft>
+                <a:spcPts val="0"/>
+              </a:spcAft>
+              <a:buClr>
+                <a:srgbClr val="677480"/>
+              </a:buClr>
+              <a:buSzPct val="100000"/>
+              <a:buFont typeface="Lato"/>
+              <a:buNone/>
+              <a:defRPr sz="1400" b="0" i="0" u="none" strike="noStrike" cap="none">
+                <a:solidFill>
+                  <a:srgbClr val="677480"/>
+                </a:solidFill>
+                <a:latin typeface="Lato"/>
+                <a:ea typeface="Lato"/>
+                <a:cs typeface="Lato"/>
+                <a:sym typeface="Lato"/>
+                <a:rtl val="0"/>
+              </a:defRPr>
+            </a:lvl5pPr>
+            <a:lvl6pPr marR="0" lvl="5" algn="l" rtl="0">
+              <a:lnSpc>
+                <a:spcPct val="100000"/>
+              </a:lnSpc>
+              <a:spcBef>
+                <a:spcPts val="0"/>
+              </a:spcBef>
+              <a:spcAft>
+                <a:spcPts val="0"/>
+              </a:spcAft>
+              <a:buClr>
+                <a:srgbClr val="677480"/>
+              </a:buClr>
+              <a:buSzPct val="100000"/>
+              <a:buFont typeface="Lato"/>
+              <a:buNone/>
+              <a:defRPr sz="1400" b="0" i="0" u="none" strike="noStrike" cap="none">
+                <a:solidFill>
+                  <a:srgbClr val="677480"/>
+                </a:solidFill>
+                <a:latin typeface="Lato"/>
+                <a:ea typeface="Lato"/>
+                <a:cs typeface="Lato"/>
+                <a:sym typeface="Lato"/>
+                <a:rtl val="0"/>
+              </a:defRPr>
+            </a:lvl6pPr>
+            <a:lvl7pPr marR="0" lvl="6" algn="l" rtl="0">
+              <a:lnSpc>
+                <a:spcPct val="100000"/>
+              </a:lnSpc>
+              <a:spcBef>
+                <a:spcPts val="0"/>
+              </a:spcBef>
+              <a:spcAft>
+                <a:spcPts val="0"/>
+              </a:spcAft>
+              <a:buClr>
+                <a:srgbClr val="677480"/>
+              </a:buClr>
+              <a:buSzPct val="100000"/>
+              <a:buFont typeface="Lato"/>
+              <a:buNone/>
+              <a:defRPr sz="1400" b="0" i="0" u="none" strike="noStrike" cap="none">
+                <a:solidFill>
+                  <a:srgbClr val="677480"/>
+                </a:solidFill>
+                <a:latin typeface="Lato"/>
+                <a:ea typeface="Lato"/>
+                <a:cs typeface="Lato"/>
+                <a:sym typeface="Lato"/>
+                <a:rtl val="0"/>
+              </a:defRPr>
+            </a:lvl7pPr>
+            <a:lvl8pPr marR="0" lvl="7" algn="l" rtl="0">
+              <a:lnSpc>
+                <a:spcPct val="100000"/>
+              </a:lnSpc>
+              <a:spcBef>
+                <a:spcPts val="0"/>
+              </a:spcBef>
+              <a:spcAft>
+                <a:spcPts val="0"/>
+              </a:spcAft>
+              <a:buClr>
+                <a:srgbClr val="677480"/>
+              </a:buClr>
+              <a:buSzPct val="100000"/>
+              <a:buFont typeface="Lato"/>
+              <a:buNone/>
+              <a:defRPr sz="1400" b="0" i="0" u="none" strike="noStrike" cap="none">
+                <a:solidFill>
+                  <a:srgbClr val="677480"/>
+                </a:solidFill>
+                <a:latin typeface="Lato"/>
+                <a:ea typeface="Lato"/>
+                <a:cs typeface="Lato"/>
+                <a:sym typeface="Lato"/>
+                <a:rtl val="0"/>
+              </a:defRPr>
+            </a:lvl8pPr>
+            <a:lvl9pPr marR="0" lvl="8" algn="l" rtl="0">
+              <a:lnSpc>
+                <a:spcPct val="100000"/>
+              </a:lnSpc>
+              <a:spcBef>
+                <a:spcPts val="0"/>
+              </a:spcBef>
+              <a:spcAft>
+                <a:spcPts val="0"/>
+              </a:spcAft>
+              <a:buClr>
+                <a:srgbClr val="677480"/>
+              </a:buClr>
+              <a:buSzPct val="100000"/>
+              <a:buFont typeface="Lato"/>
+              <a:buNone/>
+              <a:defRPr sz="1400" b="0" i="0" u="none" strike="noStrike" cap="none">
+                <a:solidFill>
+                  <a:srgbClr val="677480"/>
+                </a:solidFill>
+                <a:latin typeface="Lato"/>
+                <a:ea typeface="Lato"/>
+                <a:cs typeface="Lato"/>
+                <a:sym typeface="Lato"/>
+                <a:rtl val="0"/>
+              </a:defRPr>
+            </a:lvl9pPr>
+          </a:lstStyle>
+          <a:p>
+            <a:pPr>
+              <a:buNone/>
+            </a:pPr>
+            <a:r>
+              <a:rPr lang="en-US" sz="2000" b="1" dirty="0" smtClean="0">
+                <a:solidFill>
+                  <a:schemeClr val="accent1">
+                    <a:lumMod val="75000"/>
+                  </a:schemeClr>
+                </a:solidFill>
+              </a:rPr>
+              <a:t>Athena server</a:t>
+            </a:r>
+            <a:r>
+              <a:rPr lang="en-US" sz="2000" b="1" dirty="0" smtClean="0">
+                <a:solidFill>
+                  <a:schemeClr val="accent1">
+                    <a:lumMod val="75000"/>
+                  </a:schemeClr>
+                </a:solidFill>
+              </a:rPr>
+              <a:t>: </a:t>
+            </a:r>
+            <a:r>
+              <a:rPr lang="en-US" sz="2000" b="1" dirty="0" smtClean="0">
+                <a:solidFill>
+                  <a:schemeClr val="accent1">
+                    <a:lumMod val="75000"/>
+                  </a:schemeClr>
+                </a:solidFill>
+                <a:hlinkClick r:id="rId3"/>
+              </a:rPr>
+              <a:t>http://athena.fhict.nl/users/i333151/PropWebsite/index.php</a:t>
+            </a:r>
+            <a:r>
+              <a:rPr lang="en-US" sz="2000" b="1" dirty="0" smtClean="0">
+                <a:solidFill>
+                  <a:schemeClr val="accent1">
+                    <a:lumMod val="75000"/>
+                  </a:schemeClr>
+                </a:solidFill>
+              </a:rPr>
+              <a:t> </a:t>
+            </a:r>
+            <a:endParaRPr lang="en-US" sz="2000" b="1" dirty="0" smtClean="0">
+              <a:solidFill>
+                <a:schemeClr val="accent1">
+                  <a:lumMod val="75000"/>
+                </a:schemeClr>
+              </a:solidFill>
+            </a:endParaRPr>
+          </a:p>
+          <a:p>
+            <a:pPr>
+              <a:buFont typeface="Lato"/>
+              <a:buNone/>
+            </a:pPr>
+            <a:endParaRPr lang="en-US" sz="3200" b="1" dirty="0" smtClean="0"/>
+          </a:p>
+        </p:txBody>
+      </p:sp>
+      <p:sp>
+        <p:nvSpPr>
+          <p:cNvPr id="4" name="Down Arrow 3"/>
+          <p:cNvSpPr/>
+          <p:nvPr/>
+        </p:nvSpPr>
+        <p:spPr>
+          <a:xfrm>
+            <a:off x="3431227" y="2530929"/>
+            <a:ext cx="552944" cy="653142"/>
+          </a:xfrm>
+          <a:prstGeom prst="downArrow">
+            <a:avLst/>
+          </a:prstGeom>
+        </p:spPr>
+        <p:style>
+          <a:lnRef idx="2">
+            <a:schemeClr val="accent1">
+              <a:shade val="50000"/>
+            </a:schemeClr>
+          </a:lnRef>
+          <a:fillRef idx="1">
+            <a:schemeClr val="accent1"/>
+          </a:fillRef>
+          <a:effectRef idx="0">
+            <a:schemeClr val="accent1"/>
+          </a:effectRef>
+          <a:fontRef idx="minor">
+            <a:schemeClr val="lt1"/>
+          </a:fontRef>
+        </p:style>
+        <p:txBody>
+          <a:bodyPr rtlCol="0" anchor="ctr"/>
+          <a:lstStyle/>
+          <a:p>
+            <a:pPr algn="ctr"/>
+            <a:endParaRPr lang="en-US"/>
+          </a:p>
+        </p:txBody>
+      </p:sp>
+      <p:sp>
+        <p:nvSpPr>
+          <p:cNvPr id="23" name="Shape 223"/>
+          <p:cNvSpPr txBox="1">
+            <a:spLocks/>
+          </p:cNvSpPr>
+          <p:nvPr/>
+        </p:nvSpPr>
+        <p:spPr>
+          <a:xfrm>
+            <a:off x="832492" y="5665340"/>
+            <a:ext cx="7479016" cy="646392"/>
+          </a:xfrm>
+          <a:prstGeom prst="rect">
+            <a:avLst/>
+          </a:prstGeom>
+          <a:ln/>
+        </p:spPr>
+        <p:style>
+          <a:lnRef idx="2">
+            <a:schemeClr val="accent1"/>
+          </a:lnRef>
+          <a:fillRef idx="1">
+            <a:schemeClr val="lt1"/>
+          </a:fillRef>
+          <a:effectRef idx="0">
+            <a:schemeClr val="accent1"/>
+          </a:effectRef>
+          <a:fontRef idx="minor">
+            <a:schemeClr val="dk1"/>
+          </a:fontRef>
+        </p:style>
+        <p:txBody>
+          <a:bodyPr lIns="91425" tIns="91425" rIns="91425" bIns="91425" anchor="t" anchorCtr="0">
+            <a:noAutofit/>
+          </a:bodyPr>
+          <a:lstStyle>
+            <a:defPPr marR="0" lvl="0" algn="l" rtl="0">
+              <a:lnSpc>
+                <a:spcPct val="100000"/>
+              </a:lnSpc>
+              <a:spcBef>
+                <a:spcPts val="0"/>
+              </a:spcBef>
+              <a:spcAft>
+                <a:spcPts val="0"/>
+              </a:spcAft>
+            </a:defPPr>
+            <a:lvl1pPr marR="0" lvl="0" algn="l" rtl="0">
+              <a:lnSpc>
+                <a:spcPct val="100000"/>
+              </a:lnSpc>
+              <a:spcBef>
+                <a:spcPts val="0"/>
+              </a:spcBef>
+              <a:spcAft>
+                <a:spcPts val="0"/>
+              </a:spcAft>
+              <a:buClr>
+                <a:srgbClr val="677480"/>
+              </a:buClr>
+              <a:buSzPct val="100000"/>
+              <a:buFont typeface="Lato"/>
+              <a:buChar char="▷"/>
+              <a:defRPr sz="1400" b="0" i="0" u="none" strike="noStrike" cap="none">
+                <a:solidFill>
+                  <a:srgbClr val="677480"/>
+                </a:solidFill>
+                <a:latin typeface="Lato"/>
+                <a:ea typeface="Lato"/>
+                <a:cs typeface="Lato"/>
+                <a:sym typeface="Lato"/>
+                <a:rtl val="0"/>
+              </a:defRPr>
+            </a:lvl1pPr>
+            <a:lvl2pPr marR="0" lvl="1" algn="l" rtl="0">
+              <a:lnSpc>
+                <a:spcPct val="100000"/>
+              </a:lnSpc>
+              <a:spcBef>
+                <a:spcPts val="0"/>
+              </a:spcBef>
+              <a:spcAft>
+                <a:spcPts val="0"/>
+              </a:spcAft>
+              <a:buClr>
+                <a:srgbClr val="677480"/>
+              </a:buClr>
+              <a:buSzPct val="100000"/>
+              <a:buFont typeface="Lato"/>
+              <a:buNone/>
+              <a:defRPr sz="1400" b="0" i="0" u="none" strike="noStrike" cap="none">
+                <a:solidFill>
+                  <a:srgbClr val="677480"/>
+                </a:solidFill>
+                <a:latin typeface="Lato"/>
+                <a:ea typeface="Lato"/>
+                <a:cs typeface="Lato"/>
+                <a:sym typeface="Lato"/>
+                <a:rtl val="0"/>
+              </a:defRPr>
+            </a:lvl2pPr>
+            <a:lvl3pPr marR="0" lvl="2" algn="l" rtl="0">
+              <a:lnSpc>
+                <a:spcPct val="100000"/>
+              </a:lnSpc>
+              <a:spcBef>
+                <a:spcPts val="0"/>
+              </a:spcBef>
+              <a:spcAft>
+                <a:spcPts val="0"/>
+              </a:spcAft>
+              <a:buClr>
+                <a:srgbClr val="677480"/>
+              </a:buClr>
+              <a:buSzPct val="100000"/>
+              <a:buFont typeface="Lato"/>
+              <a:buNone/>
+              <a:defRPr sz="1400" b="0" i="0" u="none" strike="noStrike" cap="none">
+                <a:solidFill>
+                  <a:srgbClr val="677480"/>
+                </a:solidFill>
+                <a:latin typeface="Lato"/>
+                <a:ea typeface="Lato"/>
+                <a:cs typeface="Lato"/>
+                <a:sym typeface="Lato"/>
+                <a:rtl val="0"/>
+              </a:defRPr>
+            </a:lvl3pPr>
+            <a:lvl4pPr marR="0" lvl="3" algn="l" rtl="0">
+              <a:lnSpc>
+                <a:spcPct val="100000"/>
+              </a:lnSpc>
+              <a:spcBef>
+                <a:spcPts val="0"/>
+              </a:spcBef>
+              <a:spcAft>
+                <a:spcPts val="0"/>
+              </a:spcAft>
+              <a:buClr>
+                <a:srgbClr val="677480"/>
+              </a:buClr>
+              <a:buSzPct val="100000"/>
+              <a:buFont typeface="Lato"/>
+              <a:buNone/>
+              <a:defRPr sz="1400" b="0" i="0" u="none" strike="noStrike" cap="none">
+                <a:solidFill>
+                  <a:srgbClr val="677480"/>
+                </a:solidFill>
+                <a:latin typeface="Lato"/>
+                <a:ea typeface="Lato"/>
+                <a:cs typeface="Lato"/>
+                <a:sym typeface="Lato"/>
+                <a:rtl val="0"/>
+              </a:defRPr>
+            </a:lvl4pPr>
+            <a:lvl5pPr marR="0" lvl="4" algn="l" rtl="0">
+              <a:lnSpc>
+                <a:spcPct val="100000"/>
+              </a:lnSpc>
+              <a:spcBef>
+                <a:spcPts val="0"/>
+              </a:spcBef>
+              <a:spcAft>
+                <a:spcPts val="0"/>
+              </a:spcAft>
+              <a:buClr>
+                <a:srgbClr val="677480"/>
+              </a:buClr>
+              <a:buSzPct val="100000"/>
+              <a:buFont typeface="Lato"/>
+              <a:buNone/>
+              <a:defRPr sz="1400" b="0" i="0" u="none" strike="noStrike" cap="none">
+                <a:solidFill>
+                  <a:srgbClr val="677480"/>
+                </a:solidFill>
+                <a:latin typeface="Lato"/>
+                <a:ea typeface="Lato"/>
+                <a:cs typeface="Lato"/>
+                <a:sym typeface="Lato"/>
+                <a:rtl val="0"/>
+              </a:defRPr>
+            </a:lvl5pPr>
+            <a:lvl6pPr marR="0" lvl="5" algn="l" rtl="0">
+              <a:lnSpc>
+                <a:spcPct val="100000"/>
+              </a:lnSpc>
+              <a:spcBef>
+                <a:spcPts val="0"/>
+              </a:spcBef>
+              <a:spcAft>
+                <a:spcPts val="0"/>
+              </a:spcAft>
+              <a:buClr>
+                <a:srgbClr val="677480"/>
+              </a:buClr>
+              <a:buSzPct val="100000"/>
+              <a:buFont typeface="Lato"/>
+              <a:buNone/>
+              <a:defRPr sz="1400" b="0" i="0" u="none" strike="noStrike" cap="none">
+                <a:solidFill>
+                  <a:srgbClr val="677480"/>
+                </a:solidFill>
+                <a:latin typeface="Lato"/>
+                <a:ea typeface="Lato"/>
+                <a:cs typeface="Lato"/>
+                <a:sym typeface="Lato"/>
+                <a:rtl val="0"/>
+              </a:defRPr>
+            </a:lvl6pPr>
+            <a:lvl7pPr marR="0" lvl="6" algn="l" rtl="0">
+              <a:lnSpc>
+                <a:spcPct val="100000"/>
+              </a:lnSpc>
+              <a:spcBef>
+                <a:spcPts val="0"/>
+              </a:spcBef>
+              <a:spcAft>
+                <a:spcPts val="0"/>
+              </a:spcAft>
+              <a:buClr>
+                <a:srgbClr val="677480"/>
+              </a:buClr>
+              <a:buSzPct val="100000"/>
+              <a:buFont typeface="Lato"/>
+              <a:buNone/>
+              <a:defRPr sz="1400" b="0" i="0" u="none" strike="noStrike" cap="none">
+                <a:solidFill>
+                  <a:srgbClr val="677480"/>
+                </a:solidFill>
+                <a:latin typeface="Lato"/>
+                <a:ea typeface="Lato"/>
+                <a:cs typeface="Lato"/>
+                <a:sym typeface="Lato"/>
+                <a:rtl val="0"/>
+              </a:defRPr>
+            </a:lvl7pPr>
+            <a:lvl8pPr marR="0" lvl="7" algn="l" rtl="0">
+              <a:lnSpc>
+                <a:spcPct val="100000"/>
+              </a:lnSpc>
+              <a:spcBef>
+                <a:spcPts val="0"/>
+              </a:spcBef>
+              <a:spcAft>
+                <a:spcPts val="0"/>
+              </a:spcAft>
+              <a:buClr>
+                <a:srgbClr val="677480"/>
+              </a:buClr>
+              <a:buSzPct val="100000"/>
+              <a:buFont typeface="Lato"/>
+              <a:buNone/>
+              <a:defRPr sz="1400" b="0" i="0" u="none" strike="noStrike" cap="none">
+                <a:solidFill>
+                  <a:srgbClr val="677480"/>
+                </a:solidFill>
+                <a:latin typeface="Lato"/>
+                <a:ea typeface="Lato"/>
+                <a:cs typeface="Lato"/>
+                <a:sym typeface="Lato"/>
+                <a:rtl val="0"/>
+              </a:defRPr>
+            </a:lvl8pPr>
+            <a:lvl9pPr marR="0" lvl="8" algn="l" rtl="0">
+              <a:lnSpc>
+                <a:spcPct val="100000"/>
+              </a:lnSpc>
+              <a:spcBef>
+                <a:spcPts val="0"/>
+              </a:spcBef>
+              <a:spcAft>
+                <a:spcPts val="0"/>
+              </a:spcAft>
+              <a:buClr>
+                <a:srgbClr val="677480"/>
+              </a:buClr>
+              <a:buSzPct val="100000"/>
+              <a:buFont typeface="Lato"/>
+              <a:buNone/>
+              <a:defRPr sz="1400" b="0" i="0" u="none" strike="noStrike" cap="none">
+                <a:solidFill>
+                  <a:srgbClr val="677480"/>
+                </a:solidFill>
+                <a:latin typeface="Lato"/>
+                <a:ea typeface="Lato"/>
+                <a:cs typeface="Lato"/>
+                <a:sym typeface="Lato"/>
+                <a:rtl val="0"/>
+              </a:defRPr>
+            </a:lvl9pPr>
+          </a:lstStyle>
+          <a:p>
+            <a:pPr>
+              <a:buNone/>
+            </a:pPr>
+            <a:r>
+              <a:rPr lang="en-US" sz="2000" b="1" dirty="0">
+                <a:solidFill>
+                  <a:schemeClr val="accent1">
+                    <a:lumMod val="75000"/>
+                  </a:schemeClr>
+                </a:solidFill>
+                <a:hlinkClick r:id="rId4"/>
+              </a:rPr>
+              <a:t>http://ec2-54-152-33-198.compute-1.amazonaws.com</a:t>
+            </a:r>
+            <a:r>
+              <a:rPr lang="en-US" sz="2000" b="1" dirty="0" smtClean="0">
+                <a:solidFill>
+                  <a:schemeClr val="accent1">
+                    <a:lumMod val="75000"/>
+                  </a:schemeClr>
+                </a:solidFill>
+                <a:hlinkClick r:id="rId4"/>
+              </a:rPr>
+              <a:t>/</a:t>
+            </a:r>
+            <a:endParaRPr lang="en-US" sz="3200" b="1" dirty="0" smtClean="0"/>
+          </a:p>
+        </p:txBody>
+      </p:sp>
+      <p:pic>
+        <p:nvPicPr>
+          <p:cNvPr id="5" name="Picture 4"/>
+          <p:cNvPicPr>
+            <a:picLocks noChangeAspect="1"/>
+          </p:cNvPicPr>
+          <p:nvPr/>
+        </p:nvPicPr>
+        <p:blipFill>
+          <a:blip r:embed="rId5">
+            <a:extLst>
+              <a:ext uri="{28A0092B-C50C-407E-A947-70E740481C1C}">
+                <a14:useLocalDpi xmlns:a14="http://schemas.microsoft.com/office/drawing/2010/main" val="0"/>
+              </a:ext>
+            </a:extLst>
+          </a:blip>
+          <a:stretch>
+            <a:fillRect/>
+          </a:stretch>
+        </p:blipFill>
+        <p:spPr>
+          <a:xfrm>
+            <a:off x="358982" y="3551944"/>
+            <a:ext cx="2694462" cy="1077785"/>
+          </a:xfrm>
+          <a:prstGeom prst="rect">
+            <a:avLst/>
+          </a:prstGeom>
+        </p:spPr>
+      </p:pic>
+      <p:pic>
+        <p:nvPicPr>
+          <p:cNvPr id="6" name="Picture 5"/>
+          <p:cNvPicPr>
+            <a:picLocks noChangeAspect="1"/>
+          </p:cNvPicPr>
+          <p:nvPr/>
+        </p:nvPicPr>
+        <p:blipFill>
+          <a:blip r:embed="rId6">
+            <a:extLst>
+              <a:ext uri="{28A0092B-C50C-407E-A947-70E740481C1C}">
+                <a14:useLocalDpi xmlns:a14="http://schemas.microsoft.com/office/drawing/2010/main" val="0"/>
+              </a:ext>
+            </a:extLst>
+          </a:blip>
+          <a:stretch>
+            <a:fillRect/>
+          </a:stretch>
+        </p:blipFill>
+        <p:spPr>
+          <a:xfrm>
+            <a:off x="8060872" y="1334807"/>
+            <a:ext cx="805543" cy="805543"/>
+          </a:xfrm>
+          <a:prstGeom prst="rect">
+            <a:avLst/>
+          </a:prstGeom>
+        </p:spPr>
+      </p:pic>
+      <p:pic>
+        <p:nvPicPr>
+          <p:cNvPr id="7" name="Picture 6"/>
+          <p:cNvPicPr>
+            <a:picLocks noChangeAspect="1"/>
+          </p:cNvPicPr>
+          <p:nvPr/>
+        </p:nvPicPr>
+        <p:blipFill>
+          <a:blip r:embed="rId7">
+            <a:extLst>
+              <a:ext uri="{28A0092B-C50C-407E-A947-70E740481C1C}">
+                <a14:useLocalDpi xmlns:a14="http://schemas.microsoft.com/office/drawing/2010/main" val="0"/>
+              </a:ext>
+            </a:extLst>
+          </a:blip>
+          <a:stretch>
+            <a:fillRect/>
+          </a:stretch>
+        </p:blipFill>
+        <p:spPr>
+          <a:xfrm>
+            <a:off x="3431226" y="3568317"/>
+            <a:ext cx="2706595" cy="506714"/>
+          </a:xfrm>
+          <a:prstGeom prst="rect">
+            <a:avLst/>
+          </a:prstGeom>
+        </p:spPr>
+      </p:pic>
+      <p:pic>
+        <p:nvPicPr>
+          <p:cNvPr id="8" name="Picture 7"/>
+          <p:cNvPicPr>
+            <a:picLocks noChangeAspect="1"/>
+          </p:cNvPicPr>
+          <p:nvPr/>
+        </p:nvPicPr>
+        <p:blipFill>
+          <a:blip r:embed="rId8">
+            <a:extLst>
+              <a:ext uri="{28A0092B-C50C-407E-A947-70E740481C1C}">
+                <a14:useLocalDpi xmlns:a14="http://schemas.microsoft.com/office/drawing/2010/main" val="0"/>
+              </a:ext>
+            </a:extLst>
+          </a:blip>
+          <a:stretch>
+            <a:fillRect/>
+          </a:stretch>
+        </p:blipFill>
+        <p:spPr>
+          <a:xfrm>
+            <a:off x="6137821" y="3612150"/>
+            <a:ext cx="2380952" cy="419048"/>
+          </a:xfrm>
+          <a:prstGeom prst="rect">
+            <a:avLst/>
+          </a:prstGeom>
+        </p:spPr>
+      </p:pic>
+      <p:pic>
+        <p:nvPicPr>
+          <p:cNvPr id="9" name="Picture 8"/>
+          <p:cNvPicPr>
+            <a:picLocks noChangeAspect="1"/>
+          </p:cNvPicPr>
+          <p:nvPr/>
+        </p:nvPicPr>
+        <p:blipFill>
+          <a:blip r:embed="rId9">
+            <a:extLst>
+              <a:ext uri="{28A0092B-C50C-407E-A947-70E740481C1C}">
+                <a14:useLocalDpi xmlns:a14="http://schemas.microsoft.com/office/drawing/2010/main" val="0"/>
+              </a:ext>
+            </a:extLst>
+          </a:blip>
+          <a:stretch>
+            <a:fillRect/>
+          </a:stretch>
+        </p:blipFill>
+        <p:spPr>
+          <a:xfrm>
+            <a:off x="3431226" y="4158632"/>
+            <a:ext cx="4628571" cy="885714"/>
+          </a:xfrm>
+          <a:prstGeom prst="rect">
+            <a:avLst/>
+          </a:prstGeom>
+        </p:spPr>
+      </p:pic>
+    </p:spTree>
+    <p:extLst>
+      <p:ext uri="{BB962C8B-B14F-4D97-AF65-F5344CB8AC3E}">
+        <p14:creationId xmlns:p14="http://schemas.microsoft.com/office/powerpoint/2010/main" val="3445087845"/>
+      </p:ext>
+    </p:extLst>
+  </p:cSld>
+  <p:clrMapOvr>
+    <a:masterClrMapping/>
+  </p:clrMapOvr>
+  <p:transition spd="slow">
+    <p:cut/>
+  </p:transition>
+  <p:timing>
+    <p:tnLst>
+      <p:par>
+        <p:cTn id="1" dur="indefinite" restart="never" nodeType="tmRoot"/>
+      </p:par>
+    </p:tnLst>
+  </p:timing>
+</p:sld>
+</file>
+
+<file path=ppt/slides/slide5.xml><?xml version="1.0" encoding="utf-8"?>
+<p:sld xmlns:a="http://schemas.openxmlformats.org/drawingml/2006/main" xmlns:r="http://schemas.openxmlformats.org/officeDocument/2006/relationships" xmlns:p="http://schemas.openxmlformats.org/presentationml/2006/main">
+  <p:cSld>
+    <p:spTree>
+      <p:nvGrpSpPr>
+        <p:cNvPr id="1" name="Shape 221"/>
+        <p:cNvGrpSpPr/>
+        <p:nvPr/>
+      </p:nvGrpSpPr>
+      <p:grpSpPr>
+        <a:xfrm>
+          <a:off x="0" y="0"/>
+          <a:ext cx="0" cy="0"/>
+          <a:chOff x="0" y="0"/>
+          <a:chExt cx="0" cy="0"/>
+        </a:xfrm>
+      </p:grpSpPr>
+      <p:sp>
+        <p:nvSpPr>
           <p:cNvPr id="14" name="Shape 223"/>
           <p:cNvSpPr txBox="1">
             <a:spLocks/>
@@ -8574,7 +9687,7 @@
 </p:sld>
 </file>
 
-<file path=ppt/slides/slide5.xml><?xml version="1.0" encoding="utf-8"?>
+<file path=ppt/slides/slide6.xml><?xml version="1.0" encoding="utf-8"?>
 <p:sld xmlns:a="http://schemas.openxmlformats.org/drawingml/2006/main" xmlns:r="http://schemas.openxmlformats.org/officeDocument/2006/relationships" xmlns:p="http://schemas.openxmlformats.org/presentationml/2006/main">
   <p:cSld>
     <p:spTree>
@@ -9382,7 +10495,7 @@
 </p:sld>
 </file>
 
-<file path=ppt/slides/slide6.xml><?xml version="1.0" encoding="utf-8"?>
+<file path=ppt/slides/slide7.xml><?xml version="1.0" encoding="utf-8"?>
 <p:sld xmlns:a="http://schemas.openxmlformats.org/drawingml/2006/main" xmlns:r="http://schemas.openxmlformats.org/officeDocument/2006/relationships" xmlns:p="http://schemas.openxmlformats.org/presentationml/2006/main">
   <p:cSld>
     <p:spTree>
